--- a/presentazione/NSD_presentation.pptx
+++ b/presentazione/NSD_presentation.pptx
@@ -21845,7 +21845,15 @@
             </a:r>
             <a:r>
               <a:rPr lang="it-IT" dirty="0"/>
-              <a:t> Marco       (0295233)</a:t>
+              <a:t> Marco       </a:t>
+            </a:r>
+            <a:r>
+              <a:rPr lang="it-IT" sz="800" dirty="0"/>
+              <a:t> </a:t>
+            </a:r>
+            <a:r>
+              <a:rPr lang="it-IT" dirty="0"/>
+              <a:t>(0295233)</a:t>
             </a:r>
           </a:p>
           <a:p>
@@ -26624,7 +26632,7 @@
                 <a:ea typeface="+mj-ea"/>
                 <a:cs typeface="+mj-cs"/>
               </a:rPr>
-              <a:t>AS 200CONFIGURATION </a:t>
+              <a:t>AS200 CONFIGURATION </a:t>
             </a:r>
           </a:p>
         </p:txBody>
@@ -26672,7 +26680,7 @@
               <a:rPr lang="it-IT" sz="2600" dirty="0"/>
               <a:t> for AS200</a:t>
             </a:r>
-            <a:endParaRPr lang="it-IT" sz="2600">
+            <a:endParaRPr lang="it-IT" sz="2600" dirty="0">
               <a:ea typeface="+mn-lt"/>
               <a:cs typeface="+mn-lt"/>
             </a:endParaRPr>
@@ -27477,8 +27485,8 @@
         </p:nvSpPr>
         <p:spPr>
           <a:xfrm>
-            <a:off x="4780634" y="2623749"/>
-            <a:ext cx="7167526" cy="3411738"/>
+            <a:off x="4780634" y="2623748"/>
+            <a:ext cx="7167526" cy="3573851"/>
           </a:xfrm>
           <a:prstGeom prst="wedgeRoundRectCallout">
             <a:avLst>
@@ -27579,7 +27587,7 @@
               </a:rPr>
               <a:t> -o enp0s8.100 -j MASQUERADE</a:t>
             </a:r>
-            <a:endParaRPr lang="it-IT">
+            <a:endParaRPr lang="it-IT" dirty="0">
               <a:ea typeface="+mn-lt"/>
               <a:cs typeface="+mn-lt"/>
             </a:endParaRPr>
@@ -30050,7 +30058,7 @@
         <p:spPr>
           <a:xfrm flipH="1">
             <a:off x="233680" y="2545808"/>
-            <a:ext cx="4864608" cy="3484879"/>
+            <a:ext cx="4864608" cy="3580672"/>
           </a:xfrm>
           <a:prstGeom prst="wedgeRoundRectCallout">
             <a:avLst>
@@ -38554,7 +38562,7 @@
         </p:blipFill>
         <p:spPr>
           <a:xfrm>
-            <a:off x="2160150" y="2286000"/>
+            <a:off x="2160245" y="2084832"/>
             <a:ext cx="7447838" cy="4022725"/>
           </a:xfrm>
         </p:spPr>
@@ -38756,8 +38764,8 @@
           </a:xfrm>
           <a:prstGeom prst="wedgeRoundRectCallout">
             <a:avLst>
-              <a:gd name="adj1" fmla="val -35709"/>
-              <a:gd name="adj2" fmla="val 74648"/>
+              <a:gd name="adj1" fmla="val -38858"/>
+              <a:gd name="adj2" fmla="val 101644"/>
               <a:gd name="adj3" fmla="val 16667"/>
             </a:avLst>
           </a:prstGeom>
@@ -38871,8 +38879,8 @@
           </a:xfrm>
           <a:prstGeom prst="wedgeRoundRectCallout">
             <a:avLst>
-              <a:gd name="adj1" fmla="val 26190"/>
-              <a:gd name="adj2" fmla="val 61164"/>
+              <a:gd name="adj1" fmla="val 27390"/>
+              <a:gd name="adj2" fmla="val 86772"/>
               <a:gd name="adj3" fmla="val 16667"/>
             </a:avLst>
           </a:prstGeom>
@@ -38961,8 +38969,8 @@
           </a:xfrm>
           <a:prstGeom prst="wedgeRoundRectCallout">
             <a:avLst>
-              <a:gd name="adj1" fmla="val 39347"/>
-              <a:gd name="adj2" fmla="val 75234"/>
+              <a:gd name="adj1" fmla="val 41059"/>
+              <a:gd name="adj2" fmla="val 113114"/>
               <a:gd name="adj3" fmla="val 16667"/>
             </a:avLst>
           </a:prstGeom>
@@ -39136,12 +39144,12 @@
         <p:spPr>
           <a:xfrm>
             <a:off x="3170947" y="2173315"/>
-            <a:ext cx="5546084" cy="2798240"/>
+            <a:ext cx="5454893" cy="2798240"/>
           </a:xfrm>
           <a:prstGeom prst="wedgeRoundRectCallout">
             <a:avLst>
-              <a:gd name="adj1" fmla="val -71333"/>
-              <a:gd name="adj2" fmla="val 33578"/>
+              <a:gd name="adj1" fmla="val -75058"/>
+              <a:gd name="adj2" fmla="val 30310"/>
               <a:gd name="adj3" fmla="val 16667"/>
             </a:avLst>
           </a:prstGeom>
@@ -39685,8 +39693,8 @@
           </a:xfrm>
           <a:prstGeom prst="wedgeRoundRectCallout">
             <a:avLst>
-              <a:gd name="adj1" fmla="val -98856"/>
-              <a:gd name="adj2" fmla="val 9978"/>
+              <a:gd name="adj1" fmla="val -97125"/>
+              <a:gd name="adj2" fmla="val 7311"/>
               <a:gd name="adj3" fmla="val 16667"/>
             </a:avLst>
           </a:prstGeom>
@@ -39961,12 +39969,12 @@
         <p:spPr>
           <a:xfrm>
             <a:off x="6680280" y="2830405"/>
-            <a:ext cx="2939372" cy="1375167"/>
+            <a:ext cx="2939372" cy="1457115"/>
           </a:xfrm>
           <a:prstGeom prst="wedgeRoundRectCallout">
             <a:avLst>
-              <a:gd name="adj1" fmla="val -59365"/>
-              <a:gd name="adj2" fmla="val 121529"/>
+              <a:gd name="adj1" fmla="val -58328"/>
+              <a:gd name="adj2" fmla="val 86666"/>
               <a:gd name="adj3" fmla="val 16667"/>
             </a:avLst>
           </a:prstGeom>
@@ -40486,8 +40494,8 @@
           </a:xfrm>
           <a:prstGeom prst="wedgeRoundRectCallout">
             <a:avLst>
-              <a:gd name="adj1" fmla="val 128668"/>
-              <a:gd name="adj2" fmla="val 15933"/>
+              <a:gd name="adj1" fmla="val 129347"/>
+              <a:gd name="adj2" fmla="val 17656"/>
               <a:gd name="adj3" fmla="val 16667"/>
             </a:avLst>
           </a:prstGeom>
@@ -40628,8 +40636,8 @@
           </a:xfrm>
           <a:prstGeom prst="wedgeRoundRectCallout">
             <a:avLst>
-              <a:gd name="adj1" fmla="val 104975"/>
-              <a:gd name="adj2" fmla="val 41249"/>
+              <a:gd name="adj1" fmla="val 106672"/>
+              <a:gd name="adj2" fmla="val 39870"/>
               <a:gd name="adj3" fmla="val 16667"/>
             </a:avLst>
           </a:prstGeom>
@@ -43351,6 +43359,21 @@
 </file>
 
 <file path=customXml/item1.xml><?xml version="1.0" encoding="utf-8"?>
+<?mso-contentType ?>
+<FormTemplates xmlns="http://schemas.microsoft.com/sharepoint/v3/contenttype/forms">
+  <Display>DocumentLibraryForm</Display>
+  <Edit>DocumentLibraryForm</Edit>
+  <New>DocumentLibraryForm</New>
+</FormTemplates>
+</file>
+
+<file path=customXml/item2.xml><?xml version="1.0" encoding="utf-8"?>
+<p:properties xmlns:p="http://schemas.microsoft.com/office/2006/metadata/properties" xmlns:xsi="http://www.w3.org/2001/XMLSchema-instance" xmlns:pc="http://schemas.microsoft.com/office/infopath/2007/PartnerControls">
+  <documentManagement/>
+</p:properties>
+</file>
+
+<file path=customXml/item3.xml><?xml version="1.0" encoding="utf-8"?>
 <ct:contentTypeSchema xmlns:ct="http://schemas.microsoft.com/office/2006/metadata/contentType" xmlns:ma="http://schemas.microsoft.com/office/2006/metadata/properties/metaAttributes" ct:_="" ma:_="" ma:contentTypeName="Documento" ma:contentTypeID="0x0101001787EF3E5884CC449A46698C3A421D17" ma:contentTypeVersion="11" ma:contentTypeDescription="Creare un nuovo documento." ma:contentTypeScope="" ma:versionID="61bc195eafdd1766c2aef2f17e2c1bc0">
   <xsd:schema xmlns:xsd="http://www.w3.org/2001/XMLSchema" xmlns:xs="http://www.w3.org/2001/XMLSchema" xmlns:p="http://schemas.microsoft.com/office/2006/metadata/properties" xmlns:ns3="835fbd07-a3b3-49bb-be66-70693cc02c94" xmlns:ns4="a9957b67-eccb-437e-9669-215bd3880a35" targetNamespace="http://schemas.microsoft.com/office/2006/metadata/properties" ma:root="true" ma:fieldsID="17b531402ca2efe0ede2c95e7e414d10" ns3:_="" ns4:_="">
     <xsd:import namespace="835fbd07-a3b3-49bb-be66-70693cc02c94"/>
@@ -43559,22 +43582,32 @@
 </ct:contentTypeSchema>
 </file>
 
-<file path=customXml/item2.xml><?xml version="1.0" encoding="utf-8"?>
-<?mso-contentType ?>
-<FormTemplates xmlns="http://schemas.microsoft.com/sharepoint/v3/contenttype/forms">
-  <Display>DocumentLibraryForm</Display>
-  <Edit>DocumentLibraryForm</Edit>
-  <New>DocumentLibraryForm</New>
-</FormTemplates>
+<file path=customXml/itemProps1.xml><?xml version="1.0" encoding="utf-8"?>
+<ds:datastoreItem xmlns:ds="http://schemas.openxmlformats.org/officeDocument/2006/customXml" ds:itemID="{4F44C90D-2A62-4985-9618-3460247437B1}">
+  <ds:schemaRefs>
+    <ds:schemaRef ds:uri="http://schemas.microsoft.com/sharepoint/v3/contenttype/forms"/>
+  </ds:schemaRefs>
+</ds:datastoreItem>
 </file>
 
-<file path=customXml/item3.xml><?xml version="1.0" encoding="utf-8"?>
-<p:properties xmlns:p="http://schemas.microsoft.com/office/2006/metadata/properties" xmlns:xsi="http://www.w3.org/2001/XMLSchema-instance" xmlns:pc="http://schemas.microsoft.com/office/infopath/2007/PartnerControls">
-  <documentManagement/>
-</p:properties>
+<file path=customXml/itemProps2.xml><?xml version="1.0" encoding="utf-8"?>
+<ds:datastoreItem xmlns:ds="http://schemas.openxmlformats.org/officeDocument/2006/customXml" ds:itemID="{788A2F88-55C5-4ED1-9541-807C65424763}">
+  <ds:schemaRefs>
+    <ds:schemaRef ds:uri="http://purl.org/dc/dcmitype/"/>
+    <ds:schemaRef ds:uri="http://schemas.microsoft.com/office/2006/documentManagement/types"/>
+    <ds:schemaRef ds:uri="http://purl.org/dc/elements/1.1/"/>
+    <ds:schemaRef ds:uri="http://www.w3.org/XML/1998/namespace"/>
+    <ds:schemaRef ds:uri="http://purl.org/dc/terms/"/>
+    <ds:schemaRef ds:uri="a9957b67-eccb-437e-9669-215bd3880a35"/>
+    <ds:schemaRef ds:uri="http://schemas.microsoft.com/office/infopath/2007/PartnerControls"/>
+    <ds:schemaRef ds:uri="http://schemas.openxmlformats.org/package/2006/metadata/core-properties"/>
+    <ds:schemaRef ds:uri="835fbd07-a3b3-49bb-be66-70693cc02c94"/>
+    <ds:schemaRef ds:uri="http://schemas.microsoft.com/office/2006/metadata/properties"/>
+  </ds:schemaRefs>
+</ds:datastoreItem>
 </file>
 
-<file path=customXml/itemProps1.xml><?xml version="1.0" encoding="utf-8"?>
+<file path=customXml/itemProps3.xml><?xml version="1.0" encoding="utf-8"?>
 <ds:datastoreItem xmlns:ds="http://schemas.openxmlformats.org/officeDocument/2006/customXml" ds:itemID="{7F72BED9-E5E1-4527-8447-60C17C5C32E6}">
   <ds:schemaRefs>
     <ds:schemaRef ds:uri="http://schemas.microsoft.com/office/2006/metadata/contentType"/>
@@ -43591,29 +43624,4 @@
     <ds:schemaRef ds:uri="http://schemas.microsoft.com/internal/obd"/>
   </ds:schemaRefs>
 </ds:datastoreItem>
-</file>
-
-<file path=customXml/itemProps2.xml><?xml version="1.0" encoding="utf-8"?>
-<ds:datastoreItem xmlns:ds="http://schemas.openxmlformats.org/officeDocument/2006/customXml" ds:itemID="{4F44C90D-2A62-4985-9618-3460247437B1}">
-  <ds:schemaRefs>
-    <ds:schemaRef ds:uri="http://schemas.microsoft.com/sharepoint/v3/contenttype/forms"/>
-  </ds:schemaRefs>
-</ds:datastoreItem>
-</file>
-
-<file path=customXml/itemProps3.xml><?xml version="1.0" encoding="utf-8"?>
-<ds:datastoreItem xmlns:ds="http://schemas.openxmlformats.org/officeDocument/2006/customXml" ds:itemID="{788A2F88-55C5-4ED1-9541-807C65424763}">
-  <ds:schemaRefs>
-    <ds:schemaRef ds:uri="http://purl.org/dc/dcmitype/"/>
-    <ds:schemaRef ds:uri="http://schemas.microsoft.com/office/2006/documentManagement/types"/>
-    <ds:schemaRef ds:uri="http://purl.org/dc/elements/1.1/"/>
-    <ds:schemaRef ds:uri="http://www.w3.org/XML/1998/namespace"/>
-    <ds:schemaRef ds:uri="http://purl.org/dc/terms/"/>
-    <ds:schemaRef ds:uri="a9957b67-eccb-437e-9669-215bd3880a35"/>
-    <ds:schemaRef ds:uri="http://schemas.microsoft.com/office/infopath/2007/PartnerControls"/>
-    <ds:schemaRef ds:uri="http://schemas.openxmlformats.org/package/2006/metadata/core-properties"/>
-    <ds:schemaRef ds:uri="835fbd07-a3b3-49bb-be66-70693cc02c94"/>
-    <ds:schemaRef ds:uri="http://schemas.microsoft.com/office/2006/metadata/properties"/>
-  </ds:schemaRefs>
-</ds:datastoreItem>
 </file>
--- a/presentazione/NSD_presentation.pptx
+++ b/presentazione/NSD_presentation.pptx
@@ -265,7 +265,7 @@
             <a:pPr rtl="0"/>
             <a:fld id="{35CEB73A-EAD8-4600-A937-149261040EA7}" type="datetime1">
               <a:rPr lang="it-IT" smtClean="0"/>
-              <a:t>09/09/2022</a:t>
+              <a:t>15/09/2022</a:t>
             </a:fld>
             <a:endParaRPr lang="it-IT"/>
           </a:p>
@@ -435,7 +435,7 @@
             <a:pPr rtl="0"/>
             <a:fld id="{09578EB8-0800-413D-B171-4C9FED7732A0}" type="datetime1">
               <a:rPr lang="it-IT" noProof="0" smtClean="0"/>
-              <a:t>09/09/2022</a:t>
+              <a:t>15/09/2022</a:t>
             </a:fld>
             <a:endParaRPr lang="it-IT" noProof="0"/>
           </a:p>
@@ -10102,7 +10102,7 @@
             <a:pPr rtl="0"/>
             <a:fld id="{B38DECDD-C56B-4B99-815C-4DC374BD0502}" type="datetime1">
               <a:rPr lang="it-IT" noProof="0" smtClean="0"/>
-              <a:t>09/09/2022</a:t>
+              <a:t>15/09/2022</a:t>
             </a:fld>
             <a:endParaRPr lang="it-IT" noProof="0"/>
           </a:p>
@@ -10306,7 +10306,7 @@
             <a:pPr rtl="0"/>
             <a:fld id="{A91270D5-CA2E-4CCE-B3E3-1ED4C617F5FD}" type="datetime1">
               <a:rPr lang="it-IT" noProof="0" smtClean="0"/>
-              <a:t>09/09/2022</a:t>
+              <a:t>15/09/2022</a:t>
             </a:fld>
             <a:endParaRPr lang="it-IT" noProof="0"/>
           </a:p>
@@ -10483,7 +10483,7 @@
             <a:pPr rtl="0"/>
             <a:fld id="{3AD02021-081D-4BCD-8619-111A80C86AA4}" type="datetime1">
               <a:rPr lang="it-IT" noProof="0" smtClean="0"/>
-              <a:t>09/09/2022</a:t>
+              <a:t>15/09/2022</a:t>
             </a:fld>
             <a:endParaRPr lang="it-IT" noProof="0"/>
           </a:p>
@@ -10685,7 +10685,7 @@
             <a:pPr rtl="0"/>
             <a:fld id="{FC2CFC9B-8199-4464-9645-214B6EFF3046}" type="datetime1">
               <a:rPr lang="it-IT" noProof="0" smtClean="0"/>
-              <a:t>09/09/2022</a:t>
+              <a:t>15/09/2022</a:t>
             </a:fld>
             <a:endParaRPr lang="it-IT" noProof="0"/>
           </a:p>
@@ -19581,7 +19581,7 @@
             <a:pPr rtl="0"/>
             <a:fld id="{268EC901-D7B4-418A-90B0-E5FCBA6FFEA7}" type="datetime1">
               <a:rPr lang="it-IT" noProof="0" smtClean="0"/>
-              <a:t>09/09/2022</a:t>
+              <a:t>15/09/2022</a:t>
             </a:fld>
             <a:endParaRPr lang="it-IT" noProof="0"/>
           </a:p>
@@ -19851,7 +19851,7 @@
             <a:pPr rtl="0"/>
             <a:fld id="{D1B961D9-E81B-44AF-B812-435DD72BA78F}" type="datetime1">
               <a:rPr lang="it-IT" noProof="0" smtClean="0"/>
-              <a:t>09/09/2022</a:t>
+              <a:t>15/09/2022</a:t>
             </a:fld>
             <a:endParaRPr lang="it-IT" noProof="0"/>
           </a:p>
@@ -20245,7 +20245,7 @@
             <a:pPr rtl="0"/>
             <a:fld id="{C3FF653A-F944-4ACA-BE4F-5261464A4CE1}" type="datetime1">
               <a:rPr lang="it-IT" noProof="0" smtClean="0"/>
-              <a:t>09/09/2022</a:t>
+              <a:t>15/09/2022</a:t>
             </a:fld>
             <a:endParaRPr lang="it-IT" noProof="0"/>
           </a:p>
@@ -20361,7 +20361,7 @@
             <a:pPr rtl="0"/>
             <a:fld id="{00B835D5-4872-4F83-9549-4195BD19C9E7}" type="datetime1">
               <a:rPr lang="it-IT" noProof="0" smtClean="0"/>
-              <a:t>09/09/2022</a:t>
+              <a:t>15/09/2022</a:t>
             </a:fld>
             <a:endParaRPr lang="it-IT" noProof="0"/>
           </a:p>
@@ -20454,7 +20454,7 @@
             <a:pPr rtl="0"/>
             <a:fld id="{285AFA1D-B403-4233-93F5-9C17BC134037}" type="datetime1">
               <a:rPr lang="it-IT" noProof="0" smtClean="0"/>
-              <a:t>09/09/2022</a:t>
+              <a:t>15/09/2022</a:t>
             </a:fld>
             <a:endParaRPr lang="it-IT" noProof="0"/>
           </a:p>
@@ -20741,7 +20741,7 @@
             <a:pPr rtl="0"/>
             <a:fld id="{C0037F34-7F89-47FC-B829-DD18E8CE430E}" type="datetime1">
               <a:rPr lang="it-IT" noProof="0" smtClean="0"/>
-              <a:t>09/09/2022</a:t>
+              <a:t>15/09/2022</a:t>
             </a:fld>
             <a:endParaRPr lang="it-IT" noProof="0"/>
           </a:p>
@@ -21019,7 +21019,7 @@
             <a:pPr rtl="0"/>
             <a:fld id="{E2945EFA-1B37-428A-B390-4F21411152A4}" type="datetime1">
               <a:rPr lang="it-IT" noProof="0" smtClean="0"/>
-              <a:t>09/09/2022</a:t>
+              <a:t>15/09/2022</a:t>
             </a:fld>
             <a:endParaRPr lang="it-IT" noProof="0"/>
           </a:p>
@@ -21266,7 +21266,7 @@
             <a:pPr rtl="0"/>
             <a:fld id="{A6877D91-AE2A-4013-A171-54DDAEEA4374}" type="datetime1">
               <a:rPr lang="it-IT" noProof="0" smtClean="0"/>
-              <a:t>09/09/2022</a:t>
+              <a:t>15/09/2022</a:t>
             </a:fld>
             <a:endParaRPr lang="it-IT" noProof="0"/>
           </a:p>
@@ -21816,7 +21816,12 @@
           <a:srcRect t="9489" b="9489"/>
           <a:stretch/>
         </p:blipFill>
-        <p:spPr/>
+        <p:spPr>
+          <a:xfrm>
+            <a:off x="10160" y="10159"/>
+            <a:ext cx="12188952" cy="4572000"/>
+          </a:xfrm>
+        </p:spPr>
       </p:pic>
       <p:sp>
         <p:nvSpPr>
@@ -40249,7 +40254,7 @@
         <p:spPr>
           <a:xfrm>
             <a:off x="5696628" y="734290"/>
-            <a:ext cx="4389120" cy="4099885"/>
+            <a:ext cx="4595452" cy="4099885"/>
           </a:xfrm>
           <a:prstGeom prst="wedgeRoundRectCallout">
             <a:avLst>
@@ -41839,13 +41844,13 @@
         </p:nvSpPr>
         <p:spPr>
           <a:xfrm>
-            <a:off x="2153875" y="2208869"/>
-            <a:ext cx="3850686" cy="3065556"/>
+            <a:off x="1437115" y="4328161"/>
+            <a:ext cx="5051553" cy="2424090"/>
           </a:xfrm>
           <a:prstGeom prst="wedgeRoundRectCallout">
             <a:avLst>
-              <a:gd name="adj1" fmla="val -65525"/>
-              <a:gd name="adj2" fmla="val 235"/>
+              <a:gd name="adj1" fmla="val -49435"/>
+              <a:gd name="adj2" fmla="val -78035"/>
               <a:gd name="adj3" fmla="val 16667"/>
             </a:avLst>
           </a:prstGeom>
@@ -43359,21 +43364,6 @@
 </file>
 
 <file path=customXml/item1.xml><?xml version="1.0" encoding="utf-8"?>
-<?mso-contentType ?>
-<FormTemplates xmlns="http://schemas.microsoft.com/sharepoint/v3/contenttype/forms">
-  <Display>DocumentLibraryForm</Display>
-  <Edit>DocumentLibraryForm</Edit>
-  <New>DocumentLibraryForm</New>
-</FormTemplates>
-</file>
-
-<file path=customXml/item2.xml><?xml version="1.0" encoding="utf-8"?>
-<p:properties xmlns:p="http://schemas.microsoft.com/office/2006/metadata/properties" xmlns:xsi="http://www.w3.org/2001/XMLSchema-instance" xmlns:pc="http://schemas.microsoft.com/office/infopath/2007/PartnerControls">
-  <documentManagement/>
-</p:properties>
-</file>
-
-<file path=customXml/item3.xml><?xml version="1.0" encoding="utf-8"?>
 <ct:contentTypeSchema xmlns:ct="http://schemas.microsoft.com/office/2006/metadata/contentType" xmlns:ma="http://schemas.microsoft.com/office/2006/metadata/properties/metaAttributes" ct:_="" ma:_="" ma:contentTypeName="Documento" ma:contentTypeID="0x0101001787EF3E5884CC449A46698C3A421D17" ma:contentTypeVersion="11" ma:contentTypeDescription="Creare un nuovo documento." ma:contentTypeScope="" ma:versionID="61bc195eafdd1766c2aef2f17e2c1bc0">
   <xsd:schema xmlns:xsd="http://www.w3.org/2001/XMLSchema" xmlns:xs="http://www.w3.org/2001/XMLSchema" xmlns:p="http://schemas.microsoft.com/office/2006/metadata/properties" xmlns:ns3="835fbd07-a3b3-49bb-be66-70693cc02c94" xmlns:ns4="a9957b67-eccb-437e-9669-215bd3880a35" targetNamespace="http://schemas.microsoft.com/office/2006/metadata/properties" ma:root="true" ma:fieldsID="17b531402ca2efe0ede2c95e7e414d10" ns3:_="" ns4:_="">
     <xsd:import namespace="835fbd07-a3b3-49bb-be66-70693cc02c94"/>
@@ -43582,32 +43572,22 @@
 </ct:contentTypeSchema>
 </file>
 
-<file path=customXml/itemProps1.xml><?xml version="1.0" encoding="utf-8"?>
-<ds:datastoreItem xmlns:ds="http://schemas.openxmlformats.org/officeDocument/2006/customXml" ds:itemID="{4F44C90D-2A62-4985-9618-3460247437B1}">
-  <ds:schemaRefs>
-    <ds:schemaRef ds:uri="http://schemas.microsoft.com/sharepoint/v3/contenttype/forms"/>
-  </ds:schemaRefs>
-</ds:datastoreItem>
+<file path=customXml/item2.xml><?xml version="1.0" encoding="utf-8"?>
+<?mso-contentType ?>
+<FormTemplates xmlns="http://schemas.microsoft.com/sharepoint/v3/contenttype/forms">
+  <Display>DocumentLibraryForm</Display>
+  <Edit>DocumentLibraryForm</Edit>
+  <New>DocumentLibraryForm</New>
+</FormTemplates>
 </file>
 
-<file path=customXml/itemProps2.xml><?xml version="1.0" encoding="utf-8"?>
-<ds:datastoreItem xmlns:ds="http://schemas.openxmlformats.org/officeDocument/2006/customXml" ds:itemID="{788A2F88-55C5-4ED1-9541-807C65424763}">
-  <ds:schemaRefs>
-    <ds:schemaRef ds:uri="http://purl.org/dc/dcmitype/"/>
-    <ds:schemaRef ds:uri="http://schemas.microsoft.com/office/2006/documentManagement/types"/>
-    <ds:schemaRef ds:uri="http://purl.org/dc/elements/1.1/"/>
-    <ds:schemaRef ds:uri="http://www.w3.org/XML/1998/namespace"/>
-    <ds:schemaRef ds:uri="http://purl.org/dc/terms/"/>
-    <ds:schemaRef ds:uri="a9957b67-eccb-437e-9669-215bd3880a35"/>
-    <ds:schemaRef ds:uri="http://schemas.microsoft.com/office/infopath/2007/PartnerControls"/>
-    <ds:schemaRef ds:uri="http://schemas.openxmlformats.org/package/2006/metadata/core-properties"/>
-    <ds:schemaRef ds:uri="835fbd07-a3b3-49bb-be66-70693cc02c94"/>
-    <ds:schemaRef ds:uri="http://schemas.microsoft.com/office/2006/metadata/properties"/>
-  </ds:schemaRefs>
-</ds:datastoreItem>
+<file path=customXml/item3.xml><?xml version="1.0" encoding="utf-8"?>
+<p:properties xmlns:p="http://schemas.microsoft.com/office/2006/metadata/properties" xmlns:xsi="http://www.w3.org/2001/XMLSchema-instance" xmlns:pc="http://schemas.microsoft.com/office/infopath/2007/PartnerControls">
+  <documentManagement/>
+</p:properties>
 </file>
 
-<file path=customXml/itemProps3.xml><?xml version="1.0" encoding="utf-8"?>
+<file path=customXml/itemProps1.xml><?xml version="1.0" encoding="utf-8"?>
 <ds:datastoreItem xmlns:ds="http://schemas.openxmlformats.org/officeDocument/2006/customXml" ds:itemID="{7F72BED9-E5E1-4527-8447-60C17C5C32E6}">
   <ds:schemaRefs>
     <ds:schemaRef ds:uri="http://schemas.microsoft.com/office/2006/metadata/contentType"/>
@@ -43624,4 +43604,29 @@
     <ds:schemaRef ds:uri="http://schemas.microsoft.com/internal/obd"/>
   </ds:schemaRefs>
 </ds:datastoreItem>
+</file>
+
+<file path=customXml/itemProps2.xml><?xml version="1.0" encoding="utf-8"?>
+<ds:datastoreItem xmlns:ds="http://schemas.openxmlformats.org/officeDocument/2006/customXml" ds:itemID="{4F44C90D-2A62-4985-9618-3460247437B1}">
+  <ds:schemaRefs>
+    <ds:schemaRef ds:uri="http://schemas.microsoft.com/sharepoint/v3/contenttype/forms"/>
+  </ds:schemaRefs>
+</ds:datastoreItem>
+</file>
+
+<file path=customXml/itemProps3.xml><?xml version="1.0" encoding="utf-8"?>
+<ds:datastoreItem xmlns:ds="http://schemas.openxmlformats.org/officeDocument/2006/customXml" ds:itemID="{788A2F88-55C5-4ED1-9541-807C65424763}">
+  <ds:schemaRefs>
+    <ds:schemaRef ds:uri="http://purl.org/dc/dcmitype/"/>
+    <ds:schemaRef ds:uri="http://schemas.microsoft.com/office/2006/documentManagement/types"/>
+    <ds:schemaRef ds:uri="http://purl.org/dc/elements/1.1/"/>
+    <ds:schemaRef ds:uri="http://www.w3.org/XML/1998/namespace"/>
+    <ds:schemaRef ds:uri="http://purl.org/dc/terms/"/>
+    <ds:schemaRef ds:uri="a9957b67-eccb-437e-9669-215bd3880a35"/>
+    <ds:schemaRef ds:uri="http://schemas.microsoft.com/office/infopath/2007/PartnerControls"/>
+    <ds:schemaRef ds:uri="http://schemas.openxmlformats.org/package/2006/metadata/core-properties"/>
+    <ds:schemaRef ds:uri="835fbd07-a3b3-49bb-be66-70693cc02c94"/>
+    <ds:schemaRef ds:uri="http://schemas.microsoft.com/office/2006/metadata/properties"/>
+  </ds:schemaRefs>
+</ds:datastoreItem>
 </file>
--- a/presentazione/NSD_presentation.pptx
+++ b/presentazione/NSD_presentation.pptx
@@ -39693,8 +39693,8 @@
         </p:nvSpPr>
         <p:spPr>
           <a:xfrm>
-            <a:off x="3222516" y="1880443"/>
-            <a:ext cx="3521997" cy="4571077"/>
+            <a:off x="3222516" y="2084832"/>
+            <a:ext cx="3584684" cy="4187952"/>
           </a:xfrm>
           <a:prstGeom prst="wedgeRoundRectCallout">
             <a:avLst>
@@ -43364,6 +43364,21 @@
 </file>
 
 <file path=customXml/item1.xml><?xml version="1.0" encoding="utf-8"?>
+<?mso-contentType ?>
+<FormTemplates xmlns="http://schemas.microsoft.com/sharepoint/v3/contenttype/forms">
+  <Display>DocumentLibraryForm</Display>
+  <Edit>DocumentLibraryForm</Edit>
+  <New>DocumentLibraryForm</New>
+</FormTemplates>
+</file>
+
+<file path=customXml/item2.xml><?xml version="1.0" encoding="utf-8"?>
+<p:properties xmlns:p="http://schemas.microsoft.com/office/2006/metadata/properties" xmlns:xsi="http://www.w3.org/2001/XMLSchema-instance" xmlns:pc="http://schemas.microsoft.com/office/infopath/2007/PartnerControls">
+  <documentManagement/>
+</p:properties>
+</file>
+
+<file path=customXml/item3.xml><?xml version="1.0" encoding="utf-8"?>
 <ct:contentTypeSchema xmlns:ct="http://schemas.microsoft.com/office/2006/metadata/contentType" xmlns:ma="http://schemas.microsoft.com/office/2006/metadata/properties/metaAttributes" ct:_="" ma:_="" ma:contentTypeName="Documento" ma:contentTypeID="0x0101001787EF3E5884CC449A46698C3A421D17" ma:contentTypeVersion="11" ma:contentTypeDescription="Creare un nuovo documento." ma:contentTypeScope="" ma:versionID="61bc195eafdd1766c2aef2f17e2c1bc0">
   <xsd:schema xmlns:xsd="http://www.w3.org/2001/XMLSchema" xmlns:xs="http://www.w3.org/2001/XMLSchema" xmlns:p="http://schemas.microsoft.com/office/2006/metadata/properties" xmlns:ns3="835fbd07-a3b3-49bb-be66-70693cc02c94" xmlns:ns4="a9957b67-eccb-437e-9669-215bd3880a35" targetNamespace="http://schemas.microsoft.com/office/2006/metadata/properties" ma:root="true" ma:fieldsID="17b531402ca2efe0ede2c95e7e414d10" ns3:_="" ns4:_="">
     <xsd:import namespace="835fbd07-a3b3-49bb-be66-70693cc02c94"/>
@@ -43572,22 +43587,32 @@
 </ct:contentTypeSchema>
 </file>
 
-<file path=customXml/item2.xml><?xml version="1.0" encoding="utf-8"?>
-<?mso-contentType ?>
-<FormTemplates xmlns="http://schemas.microsoft.com/sharepoint/v3/contenttype/forms">
-  <Display>DocumentLibraryForm</Display>
-  <Edit>DocumentLibraryForm</Edit>
-  <New>DocumentLibraryForm</New>
-</FormTemplates>
+<file path=customXml/itemProps1.xml><?xml version="1.0" encoding="utf-8"?>
+<ds:datastoreItem xmlns:ds="http://schemas.openxmlformats.org/officeDocument/2006/customXml" ds:itemID="{4F44C90D-2A62-4985-9618-3460247437B1}">
+  <ds:schemaRefs>
+    <ds:schemaRef ds:uri="http://schemas.microsoft.com/sharepoint/v3/contenttype/forms"/>
+  </ds:schemaRefs>
+</ds:datastoreItem>
 </file>
 
-<file path=customXml/item3.xml><?xml version="1.0" encoding="utf-8"?>
-<p:properties xmlns:p="http://schemas.microsoft.com/office/2006/metadata/properties" xmlns:xsi="http://www.w3.org/2001/XMLSchema-instance" xmlns:pc="http://schemas.microsoft.com/office/infopath/2007/PartnerControls">
-  <documentManagement/>
-</p:properties>
+<file path=customXml/itemProps2.xml><?xml version="1.0" encoding="utf-8"?>
+<ds:datastoreItem xmlns:ds="http://schemas.openxmlformats.org/officeDocument/2006/customXml" ds:itemID="{788A2F88-55C5-4ED1-9541-807C65424763}">
+  <ds:schemaRefs>
+    <ds:schemaRef ds:uri="http://purl.org/dc/dcmitype/"/>
+    <ds:schemaRef ds:uri="http://schemas.microsoft.com/office/2006/documentManagement/types"/>
+    <ds:schemaRef ds:uri="http://purl.org/dc/elements/1.1/"/>
+    <ds:schemaRef ds:uri="http://www.w3.org/XML/1998/namespace"/>
+    <ds:schemaRef ds:uri="http://purl.org/dc/terms/"/>
+    <ds:schemaRef ds:uri="a9957b67-eccb-437e-9669-215bd3880a35"/>
+    <ds:schemaRef ds:uri="http://schemas.microsoft.com/office/infopath/2007/PartnerControls"/>
+    <ds:schemaRef ds:uri="http://schemas.openxmlformats.org/package/2006/metadata/core-properties"/>
+    <ds:schemaRef ds:uri="835fbd07-a3b3-49bb-be66-70693cc02c94"/>
+    <ds:schemaRef ds:uri="http://schemas.microsoft.com/office/2006/metadata/properties"/>
+  </ds:schemaRefs>
+</ds:datastoreItem>
 </file>
 
-<file path=customXml/itemProps1.xml><?xml version="1.0" encoding="utf-8"?>
+<file path=customXml/itemProps3.xml><?xml version="1.0" encoding="utf-8"?>
 <ds:datastoreItem xmlns:ds="http://schemas.openxmlformats.org/officeDocument/2006/customXml" ds:itemID="{7F72BED9-E5E1-4527-8447-60C17C5C32E6}">
   <ds:schemaRefs>
     <ds:schemaRef ds:uri="http://schemas.microsoft.com/office/2006/metadata/contentType"/>
@@ -43604,29 +43629,4 @@
     <ds:schemaRef ds:uri="http://schemas.microsoft.com/internal/obd"/>
   </ds:schemaRefs>
 </ds:datastoreItem>
-</file>
-
-<file path=customXml/itemProps2.xml><?xml version="1.0" encoding="utf-8"?>
-<ds:datastoreItem xmlns:ds="http://schemas.openxmlformats.org/officeDocument/2006/customXml" ds:itemID="{4F44C90D-2A62-4985-9618-3460247437B1}">
-  <ds:schemaRefs>
-    <ds:schemaRef ds:uri="http://schemas.microsoft.com/sharepoint/v3/contenttype/forms"/>
-  </ds:schemaRefs>
-</ds:datastoreItem>
-</file>
-
-<file path=customXml/itemProps3.xml><?xml version="1.0" encoding="utf-8"?>
-<ds:datastoreItem xmlns:ds="http://schemas.openxmlformats.org/officeDocument/2006/customXml" ds:itemID="{788A2F88-55C5-4ED1-9541-807C65424763}">
-  <ds:schemaRefs>
-    <ds:schemaRef ds:uri="http://purl.org/dc/dcmitype/"/>
-    <ds:schemaRef ds:uri="http://schemas.microsoft.com/office/2006/documentManagement/types"/>
-    <ds:schemaRef ds:uri="http://purl.org/dc/elements/1.1/"/>
-    <ds:schemaRef ds:uri="http://www.w3.org/XML/1998/namespace"/>
-    <ds:schemaRef ds:uri="http://purl.org/dc/terms/"/>
-    <ds:schemaRef ds:uri="a9957b67-eccb-437e-9669-215bd3880a35"/>
-    <ds:schemaRef ds:uri="http://schemas.microsoft.com/office/infopath/2007/PartnerControls"/>
-    <ds:schemaRef ds:uri="http://schemas.openxmlformats.org/package/2006/metadata/core-properties"/>
-    <ds:schemaRef ds:uri="835fbd07-a3b3-49bb-be66-70693cc02c94"/>
-    <ds:schemaRef ds:uri="http://schemas.microsoft.com/office/2006/metadata/properties"/>
-  </ds:schemaRefs>
-</ds:datastoreItem>
 </file>